--- a/Presentation1.pptx
+++ b/Presentation1.pptx
@@ -9,6 +9,7 @@
     <p:sldId id="257" r:id="rId3"/>
     <p:sldId id="258" r:id="rId4"/>
     <p:sldId id="259" r:id="rId5"/>
+    <p:sldId id="260" r:id="rId6"/>
   </p:sldIdLst>
   <p:sldSz cx="12192000" cy="6858000"/>
   <p:notesSz cx="6858000" cy="9144000"/>
@@ -3892,6 +3893,225 @@
 </p:sld>
 </file>
 
+<file path=ppt/slides/slide5.xml><?xml version="1.0" encoding="utf-8"?>
+<p:sld xmlns:a="http://schemas.openxmlformats.org/drawingml/2006/main" xmlns:r="http://schemas.openxmlformats.org/officeDocument/2006/relationships" xmlns:p="http://schemas.openxmlformats.org/presentationml/2006/main">
+  <p:cSld>
+    <p:spTree>
+      <p:nvGrpSpPr>
+        <p:cNvPr id="1" name=""/>
+        <p:cNvGrpSpPr/>
+        <p:nvPr/>
+      </p:nvGrpSpPr>
+      <p:grpSpPr>
+        <a:xfrm>
+          <a:off x="0" y="0"/>
+          <a:ext cx="0" cy="0"/>
+          <a:chOff x="0" y="0"/>
+          <a:chExt cx="0" cy="0"/>
+        </a:xfrm>
+      </p:grpSpPr>
+      <p:sp>
+        <p:nvSpPr>
+          <p:cNvPr id="2" name="Title 1"/>
+          <p:cNvSpPr>
+            <a:spLocks noGrp="1"/>
+          </p:cNvSpPr>
+          <p:nvPr>
+            <p:ph type="title"/>
+          </p:nvPr>
+        </p:nvSpPr>
+        <p:spPr>
+          <a:xfrm>
+            <a:off x="464975" y="124724"/>
+            <a:ext cx="10515600" cy="1325563"/>
+          </a:xfrm>
+        </p:spPr>
+        <p:txBody>
+          <a:bodyPr>
+            <a:normAutofit/>
+          </a:bodyPr>
+          <a:lstStyle/>
+          <a:p>
+            <a:r>
+              <a:rPr lang="en-US" dirty="0" smtClean="0"/>
+              <a:t>Example: A reactive scheduler</a:t>
+            </a:r>
+            <a:endParaRPr lang="en-US" dirty="0"/>
+          </a:p>
+        </p:txBody>
+      </p:sp>
+      <p:pic>
+        <p:nvPicPr>
+          <p:cNvPr id="13" name="Picture 12"/>
+          <p:cNvPicPr>
+            <a:picLocks noChangeAspect="1"/>
+          </p:cNvPicPr>
+          <p:nvPr/>
+        </p:nvPicPr>
+        <p:blipFill>
+          <a:blip r:embed="rId2"/>
+          <a:stretch>
+            <a:fillRect/>
+          </a:stretch>
+        </p:blipFill>
+        <p:spPr>
+          <a:xfrm>
+            <a:off x="2718609" y="1654628"/>
+            <a:ext cx="6101728" cy="3533191"/>
+          </a:xfrm>
+          <a:prstGeom prst="rect">
+            <a:avLst/>
+          </a:prstGeom>
+        </p:spPr>
+      </p:pic>
+      <p:sp>
+        <p:nvSpPr>
+          <p:cNvPr id="14" name="TextBox 13"/>
+          <p:cNvSpPr txBox="1"/>
+          <p:nvPr/>
+        </p:nvSpPr>
+        <p:spPr>
+          <a:xfrm>
+            <a:off x="3293705" y="4394718"/>
+            <a:ext cx="186613" cy="369332"/>
+          </a:xfrm>
+          <a:prstGeom prst="rect">
+            <a:avLst/>
+          </a:prstGeom>
+          <a:noFill/>
+        </p:spPr>
+        <p:txBody>
+          <a:bodyPr wrap="square" rtlCol="0">
+            <a:spAutoFit/>
+          </a:bodyPr>
+          <a:lstStyle/>
+          <a:p>
+            <a:r>
+              <a:rPr lang="en-US" dirty="0"/>
+              <a:t>q</a:t>
+            </a:r>
+          </a:p>
+        </p:txBody>
+      </p:sp>
+      <mc:AlternateContent xmlns:mc="http://schemas.openxmlformats.org/markup-compatibility/2006">
+        <mc:Choice xmlns:a14="http://schemas.microsoft.com/office/drawing/2010/main" Requires="a14">
+          <p:sp>
+            <p:nvSpPr>
+              <p:cNvPr id="15" name="TextBox 14"/>
+              <p:cNvSpPr txBox="1"/>
+              <p:nvPr/>
+            </p:nvSpPr>
+            <p:spPr>
+              <a:xfrm>
+                <a:off x="1942509" y="5654351"/>
+                <a:ext cx="7088800" cy="369332"/>
+              </a:xfrm>
+              <a:prstGeom prst="rect">
+                <a:avLst/>
+              </a:prstGeom>
+              <a:noFill/>
+            </p:spPr>
+            <p:txBody>
+              <a:bodyPr wrap="none" rtlCol="0">
+                <a:spAutoFit/>
+              </a:bodyPr>
+              <a:lstStyle/>
+              <a:p>
+                <a:r>
+                  <a:rPr lang="en-US" dirty="0" smtClean="0"/>
+                  <a:t>The scheduler is “in the loop”: it controls the tasks =&gt; %CPU, variance of </a:t>
+                </a:r>
+                <a14:m>
+                  <m:oMath xmlns:m="http://schemas.openxmlformats.org/officeDocument/2006/math">
+                    <m:r>
+                      <a:rPr lang="en-US" i="1" dirty="0" smtClean="0">
+                        <a:latin typeface="Cambria Math" panose="02040503050406030204" pitchFamily="18" charset="0"/>
+                      </a:rPr>
+                      <m:t>𝑣</m:t>
+                    </m:r>
+                  </m:oMath>
+                </a14:m>
+                <a:endParaRPr lang="en-US" dirty="0"/>
+              </a:p>
+            </p:txBody>
+          </p:sp>
+        </mc:Choice>
+        <mc:Fallback>
+          <p:sp>
+            <p:nvSpPr>
+              <p:cNvPr id="15" name="TextBox 14"/>
+              <p:cNvSpPr txBox="1">
+                <a:spLocks noRot="1" noChangeAspect="1" noMove="1" noResize="1" noEditPoints="1" noAdjustHandles="1" noChangeArrowheads="1" noChangeShapeType="1" noTextEdit="1"/>
+              </p:cNvSpPr>
+              <p:nvPr/>
+            </p:nvSpPr>
+            <p:spPr>
+              <a:xfrm>
+                <a:off x="1942509" y="5654351"/>
+                <a:ext cx="7088800" cy="369332"/>
+              </a:xfrm>
+              <a:prstGeom prst="rect">
+                <a:avLst/>
+              </a:prstGeom>
+              <a:blipFill>
+                <a:blip r:embed="rId3"/>
+                <a:stretch>
+                  <a:fillRect l="-774" t="-10000" b="-26667"/>
+                </a:stretch>
+              </a:blipFill>
+            </p:spPr>
+            <p:txBody>
+              <a:bodyPr/>
+              <a:lstStyle/>
+              <a:p>
+                <a:r>
+                  <a:rPr lang="en-US">
+                    <a:noFill/>
+                  </a:rPr>
+                  <a:t> </a:t>
+                </a:r>
+              </a:p>
+            </p:txBody>
+          </p:sp>
+        </mc:Fallback>
+      </mc:AlternateContent>
+      <p:pic>
+        <p:nvPicPr>
+          <p:cNvPr id="17" name="Picture 16"/>
+          <p:cNvPicPr>
+            <a:picLocks noChangeAspect="1"/>
+          </p:cNvPicPr>
+          <p:nvPr/>
+        </p:nvPicPr>
+        <p:blipFill>
+          <a:blip r:embed="rId4"/>
+          <a:stretch>
+            <a:fillRect/>
+          </a:stretch>
+        </p:blipFill>
+        <p:spPr>
+          <a:xfrm>
+            <a:off x="5015507" y="4579384"/>
+            <a:ext cx="2269640" cy="935687"/>
+          </a:xfrm>
+          <a:prstGeom prst="rect">
+            <a:avLst/>
+          </a:prstGeom>
+        </p:spPr>
+      </p:pic>
+    </p:spTree>
+    <p:extLst>
+      <p:ext uri="{BB962C8B-B14F-4D97-AF65-F5344CB8AC3E}">
+        <p14:creationId xmlns:p14="http://schemas.microsoft.com/office/powerpoint/2010/main" val="21421886"/>
+      </p:ext>
+    </p:extLst>
+  </p:cSld>
+  <p:clrMapOvr>
+    <a:masterClrMapping/>
+  </p:clrMapOvr>
+</p:sld>
+</file>
+
 <file path=ppt/theme/theme1.xml><?xml version="1.0" encoding="utf-8"?>
 <a:theme xmlns:a="http://schemas.openxmlformats.org/drawingml/2006/main" name="Office Theme">
   <a:themeElements>

--- a/Presentation1.pptx
+++ b/Presentation1.pptx
@@ -10,6 +10,8 @@
     <p:sldId id="258" r:id="rId4"/>
     <p:sldId id="259" r:id="rId5"/>
     <p:sldId id="260" r:id="rId6"/>
+    <p:sldId id="261" r:id="rId7"/>
+    <p:sldId id="262" r:id="rId8"/>
   </p:sldIdLst>
   <p:sldSz cx="12192000" cy="6858000"/>
   <p:notesSz cx="6858000" cy="9144000"/>
@@ -242,7 +244,7 @@
           <a:p>
             <a:fld id="{F6AA1C7B-7654-4A49-8252-DB3FA2EBB9F7}" type="datetimeFigureOut">
               <a:rPr lang="en-US" smtClean="0"/>
-              <a:t>12/31/2017</a:t>
+              <a:t>1/1/2018</a:t>
             </a:fld>
             <a:endParaRPr lang="en-US"/>
           </a:p>
@@ -412,7 +414,7 @@
           <a:p>
             <a:fld id="{F6AA1C7B-7654-4A49-8252-DB3FA2EBB9F7}" type="datetimeFigureOut">
               <a:rPr lang="en-US" smtClean="0"/>
-              <a:t>12/31/2017</a:t>
+              <a:t>1/1/2018</a:t>
             </a:fld>
             <a:endParaRPr lang="en-US"/>
           </a:p>
@@ -592,7 +594,7 @@
           <a:p>
             <a:fld id="{F6AA1C7B-7654-4A49-8252-DB3FA2EBB9F7}" type="datetimeFigureOut">
               <a:rPr lang="en-US" smtClean="0"/>
-              <a:t>12/31/2017</a:t>
+              <a:t>1/1/2018</a:t>
             </a:fld>
             <a:endParaRPr lang="en-US"/>
           </a:p>
@@ -762,7 +764,7 @@
           <a:p>
             <a:fld id="{F6AA1C7B-7654-4A49-8252-DB3FA2EBB9F7}" type="datetimeFigureOut">
               <a:rPr lang="en-US" smtClean="0"/>
-              <a:t>12/31/2017</a:t>
+              <a:t>1/1/2018</a:t>
             </a:fld>
             <a:endParaRPr lang="en-US"/>
           </a:p>
@@ -1008,7 +1010,7 @@
           <a:p>
             <a:fld id="{F6AA1C7B-7654-4A49-8252-DB3FA2EBB9F7}" type="datetimeFigureOut">
               <a:rPr lang="en-US" smtClean="0"/>
-              <a:t>12/31/2017</a:t>
+              <a:t>1/1/2018</a:t>
             </a:fld>
             <a:endParaRPr lang="en-US"/>
           </a:p>
@@ -1240,7 +1242,7 @@
           <a:p>
             <a:fld id="{F6AA1C7B-7654-4A49-8252-DB3FA2EBB9F7}" type="datetimeFigureOut">
               <a:rPr lang="en-US" smtClean="0"/>
-              <a:t>12/31/2017</a:t>
+              <a:t>1/1/2018</a:t>
             </a:fld>
             <a:endParaRPr lang="en-US"/>
           </a:p>
@@ -1607,7 +1609,7 @@
           <a:p>
             <a:fld id="{F6AA1C7B-7654-4A49-8252-DB3FA2EBB9F7}" type="datetimeFigureOut">
               <a:rPr lang="en-US" smtClean="0"/>
-              <a:t>12/31/2017</a:t>
+              <a:t>1/1/2018</a:t>
             </a:fld>
             <a:endParaRPr lang="en-US"/>
           </a:p>
@@ -1725,7 +1727,7 @@
           <a:p>
             <a:fld id="{F6AA1C7B-7654-4A49-8252-DB3FA2EBB9F7}" type="datetimeFigureOut">
               <a:rPr lang="en-US" smtClean="0"/>
-              <a:t>12/31/2017</a:t>
+              <a:t>1/1/2018</a:t>
             </a:fld>
             <a:endParaRPr lang="en-US"/>
           </a:p>
@@ -1820,7 +1822,7 @@
           <a:p>
             <a:fld id="{F6AA1C7B-7654-4A49-8252-DB3FA2EBB9F7}" type="datetimeFigureOut">
               <a:rPr lang="en-US" smtClean="0"/>
-              <a:t>12/31/2017</a:t>
+              <a:t>1/1/2018</a:t>
             </a:fld>
             <a:endParaRPr lang="en-US"/>
           </a:p>
@@ -2097,7 +2099,7 @@
           <a:p>
             <a:fld id="{F6AA1C7B-7654-4A49-8252-DB3FA2EBB9F7}" type="datetimeFigureOut">
               <a:rPr lang="en-US" smtClean="0"/>
-              <a:t>12/31/2017</a:t>
+              <a:t>1/1/2018</a:t>
             </a:fld>
             <a:endParaRPr lang="en-US"/>
           </a:p>
@@ -2350,7 +2352,7 @@
           <a:p>
             <a:fld id="{F6AA1C7B-7654-4A49-8252-DB3FA2EBB9F7}" type="datetimeFigureOut">
               <a:rPr lang="en-US" smtClean="0"/>
-              <a:t>12/31/2017</a:t>
+              <a:t>1/1/2018</a:t>
             </a:fld>
             <a:endParaRPr lang="en-US"/>
           </a:p>
@@ -2563,7 +2565,7 @@
           <a:p>
             <a:fld id="{F6AA1C7B-7654-4A49-8252-DB3FA2EBB9F7}" type="datetimeFigureOut">
               <a:rPr lang="en-US" smtClean="0"/>
-              <a:t>12/31/2017</a:t>
+              <a:t>1/1/2018</a:t>
             </a:fld>
             <a:endParaRPr lang="en-US"/>
           </a:p>
@@ -3016,6 +3018,13 @@
   <p:clrMapOvr>
     <a:masterClrMapping/>
   </p:clrMapOvr>
+  <p:timing>
+    <p:tnLst>
+      <p:par>
+        <p:cTn id="1" dur="indefinite" restart="never" nodeType="tmRoot"/>
+      </p:par>
+    </p:tnLst>
+  </p:timing>
 </p:sld>
 </file>
 
@@ -3060,18 +3069,14 @@
           <a:p>
             <a:r>
               <a:rPr lang="en-US" dirty="0" smtClean="0"/>
-              <a:t>Example: </a:t>
-            </a:r>
-            <a:r>
-              <a:rPr lang="en-US" dirty="0" smtClean="0"/>
-              <a:t>A component that “plays” a game with its environment</a:t>
+              <a:t>Example: A component that “plays” a game with its environment</a:t>
             </a:r>
             <a:endParaRPr lang="en-US" dirty="0"/>
           </a:p>
         </p:txBody>
       </p:sp>
-      <mc:AlternateContent xmlns:mc="http://schemas.openxmlformats.org/markup-compatibility/2006">
-        <mc:Choice xmlns:a14="http://schemas.microsoft.com/office/drawing/2010/main" Requires="a14">
+      <mc:AlternateContent xmlns:mc="http://schemas.openxmlformats.org/markup-compatibility/2006" xmlns:a14="http://schemas.microsoft.com/office/drawing/2010/main">
+        <mc:Choice Requires="a14">
           <p:sp>
             <p:nvSpPr>
               <p:cNvPr id="4" name="Content Placeholder 3"/>
@@ -3182,7 +3187,7 @@
             </p:txBody>
           </p:sp>
         </mc:Choice>
-        <mc:Fallback>
+        <mc:Fallback xmlns="">
           <p:sp>
             <p:nvSpPr>
               <p:cNvPr id="4" name="Content Placeholder 3"/>
@@ -3254,6 +3259,13 @@
   <p:clrMapOvr>
     <a:masterClrMapping/>
   </p:clrMapOvr>
+  <p:timing>
+    <p:tnLst>
+      <p:par>
+        <p:cTn id="1" dur="indefinite" restart="never" nodeType="tmRoot"/>
+      </p:par>
+    </p:tnLst>
+  </p:timing>
 </p:sld>
 </file>
 
@@ -3298,22 +3310,14 @@
           <a:p>
             <a:r>
               <a:rPr lang="en-US" dirty="0" smtClean="0"/>
-              <a:t>Example: </a:t>
-            </a:r>
-            <a:r>
-              <a:rPr lang="en-US" dirty="0" smtClean="0"/>
-              <a:t>A solution of the </a:t>
-            </a:r>
-            <a:r>
-              <a:rPr lang="en-US" dirty="0" smtClean="0"/>
-              <a:t>game</a:t>
+              <a:t>Example: A solution of the game</a:t>
             </a:r>
             <a:endParaRPr lang="en-US" dirty="0"/>
           </a:p>
         </p:txBody>
       </p:sp>
-      <mc:AlternateContent xmlns:mc="http://schemas.openxmlformats.org/markup-compatibility/2006">
-        <mc:Choice xmlns:a14="http://schemas.microsoft.com/office/drawing/2010/main" Requires="a14">
+      <mc:AlternateContent xmlns:mc="http://schemas.openxmlformats.org/markup-compatibility/2006" xmlns:a14="http://schemas.microsoft.com/office/drawing/2010/main">
+        <mc:Choice Requires="a14">
           <p:sp>
             <p:nvSpPr>
               <p:cNvPr id="4" name="Content Placeholder 3"/>
@@ -3349,7 +3353,7 @@
                       <m:sSubPr>
                         <m:ctrlPr>
                           <a:rPr lang="en-US" b="0" i="1" smtClean="0">
-                            <a:latin typeface="Cambria Math" panose="02040503050406030204" pitchFamily="18" charset="0"/>
+                            <a:latin typeface="Cambria Math"/>
                           </a:rPr>
                         </m:ctrlPr>
                       </m:sSubPr>
@@ -3377,7 +3381,7 @@
             </p:txBody>
           </p:sp>
         </mc:Choice>
-        <mc:Fallback>
+        <mc:Fallback xmlns="">
           <p:sp>
             <p:nvSpPr>
               <p:cNvPr id="4" name="Content Placeholder 3"/>
@@ -3449,6 +3453,13 @@
   <p:clrMapOvr>
     <a:masterClrMapping/>
   </p:clrMapOvr>
+  <p:timing>
+    <p:tnLst>
+      <p:par>
+        <p:cTn id="1" dur="indefinite" restart="never" nodeType="tmRoot"/>
+      </p:par>
+    </p:tnLst>
+  </p:timing>
 </p:sld>
 </file>
 
@@ -3627,8 +3638,8 @@
           </a:p>
         </p:txBody>
       </p:sp>
-      <mc:AlternateContent xmlns:mc="http://schemas.openxmlformats.org/markup-compatibility/2006">
-        <mc:Choice xmlns:a14="http://schemas.microsoft.com/office/drawing/2010/main" Requires="a14">
+      <mc:AlternateContent xmlns:mc="http://schemas.openxmlformats.org/markup-compatibility/2006" xmlns:a14="http://schemas.microsoft.com/office/drawing/2010/main">
+        <mc:Choice Requires="a14">
           <p:sp>
             <p:nvSpPr>
               <p:cNvPr id="9" name="Content Placeholder 3"/>
@@ -3664,7 +3675,7 @@
                       <m:sSubPr>
                         <m:ctrlPr>
                           <a:rPr lang="en-US" b="0" i="1" smtClean="0">
-                            <a:latin typeface="Cambria Math" panose="02040503050406030204" pitchFamily="18" charset="0"/>
+                            <a:latin typeface="Cambria Math"/>
                           </a:rPr>
                         </m:ctrlPr>
                       </m:sSubPr>
@@ -3692,7 +3703,7 @@
             </p:txBody>
           </p:sp>
         </mc:Choice>
-        <mc:Fallback>
+        <mc:Fallback xmlns="">
           <p:sp>
             <p:nvSpPr>
               <p:cNvPr id="9" name="Content Placeholder 3"/>
@@ -3730,8 +3741,8 @@
           </p:sp>
         </mc:Fallback>
       </mc:AlternateContent>
-      <mc:AlternateContent xmlns:mc="http://schemas.openxmlformats.org/markup-compatibility/2006">
-        <mc:Choice xmlns:a14="http://schemas.microsoft.com/office/drawing/2010/main" Requires="a14">
+      <mc:AlternateContent xmlns:mc="http://schemas.openxmlformats.org/markup-compatibility/2006" xmlns:a14="http://schemas.microsoft.com/office/drawing/2010/main">
+        <mc:Choice Requires="a14">
           <p:sp>
             <p:nvSpPr>
               <p:cNvPr id="10" name="Content Placeholder 3"/>
@@ -3767,7 +3778,7 @@
                       <m:sSubPr>
                         <m:ctrlPr>
                           <a:rPr lang="en-US" b="0" i="1" smtClean="0">
-                            <a:latin typeface="Cambria Math" panose="02040503050406030204" pitchFamily="18" charset="0"/>
+                            <a:latin typeface="Cambria Math"/>
                           </a:rPr>
                         </m:ctrlPr>
                       </m:sSubPr>
@@ -3798,7 +3809,7 @@
             </p:txBody>
           </p:sp>
         </mc:Choice>
-        <mc:Fallback>
+        <mc:Fallback xmlns="">
           <p:sp>
             <p:nvSpPr>
               <p:cNvPr id="10" name="Content Placeholder 3"/>
@@ -3890,6 +3901,13 @@
   <p:clrMapOvr>
     <a:masterClrMapping/>
   </p:clrMapOvr>
+  <p:timing>
+    <p:tnLst>
+      <p:par>
+        <p:cTn id="1" dur="indefinite" restart="never" nodeType="tmRoot"/>
+      </p:par>
+    </p:tnLst>
+  </p:timing>
 </p:sld>
 </file>
 
@@ -3993,8 +4011,8 @@
           </a:p>
         </p:txBody>
       </p:sp>
-      <mc:AlternateContent xmlns:mc="http://schemas.openxmlformats.org/markup-compatibility/2006">
-        <mc:Choice xmlns:a14="http://schemas.microsoft.com/office/drawing/2010/main" Requires="a14">
+      <mc:AlternateContent xmlns:mc="http://schemas.openxmlformats.org/markup-compatibility/2006" xmlns:a14="http://schemas.microsoft.com/office/drawing/2010/main">
+        <mc:Choice Requires="a14">
           <p:sp>
             <p:nvSpPr>
               <p:cNvPr id="15" name="TextBox 14"/>
@@ -4036,7 +4054,7 @@
             </p:txBody>
           </p:sp>
         </mc:Choice>
-        <mc:Fallback>
+        <mc:Fallback xmlns="">
           <p:sp>
             <p:nvSpPr>
               <p:cNvPr id="15" name="TextBox 14"/>
@@ -4109,6 +4127,1673 @@
   <p:clrMapOvr>
     <a:masterClrMapping/>
   </p:clrMapOvr>
+  <p:timing>
+    <p:tnLst>
+      <p:par>
+        <p:cTn id="1" dur="indefinite" restart="never" nodeType="tmRoot"/>
+      </p:par>
+    </p:tnLst>
+  </p:timing>
+</p:sld>
+</file>
+
+<file path=ppt/slides/slide6.xml><?xml version="1.0" encoding="utf-8"?>
+<p:sld xmlns:a="http://schemas.openxmlformats.org/drawingml/2006/main" xmlns:r="http://schemas.openxmlformats.org/officeDocument/2006/relationships" xmlns:p="http://schemas.openxmlformats.org/presentationml/2006/main">
+  <p:cSld>
+    <p:spTree>
+      <p:nvGrpSpPr>
+        <p:cNvPr id="1" name=""/>
+        <p:cNvGrpSpPr/>
+        <p:nvPr/>
+      </p:nvGrpSpPr>
+      <p:grpSpPr>
+        <a:xfrm>
+          <a:off x="0" y="0"/>
+          <a:ext cx="0" cy="0"/>
+          <a:chOff x="0" y="0"/>
+          <a:chExt cx="0" cy="0"/>
+        </a:xfrm>
+      </p:grpSpPr>
+      <p:grpSp>
+        <p:nvGrpSpPr>
+          <p:cNvPr id="6" name="Group 5"/>
+          <p:cNvGrpSpPr/>
+          <p:nvPr/>
+        </p:nvGrpSpPr>
+        <p:grpSpPr>
+          <a:xfrm>
+            <a:off x="713530" y="4054718"/>
+            <a:ext cx="3327820" cy="1979285"/>
+            <a:chOff x="594099" y="4079800"/>
+            <a:chExt cx="3327820" cy="1979285"/>
+          </a:xfrm>
+        </p:grpSpPr>
+        <p:pic>
+          <p:nvPicPr>
+            <p:cNvPr id="1032" name="Picture 8"/>
+            <p:cNvPicPr>
+              <a:picLocks noChangeAspect="1" noChangeArrowheads="1"/>
+            </p:cNvPicPr>
+            <p:nvPr/>
+          </p:nvPicPr>
+          <p:blipFill>
+            <a:blip r:embed="rId2">
+              <a:extLst>
+                <a:ext uri="{28A0092B-C50C-407E-A947-70E740481C1C}">
+                  <a14:useLocalDpi xmlns:a14="http://schemas.microsoft.com/office/drawing/2010/main" val="0"/>
+                </a:ext>
+              </a:extLst>
+            </a:blip>
+            <a:srcRect/>
+            <a:stretch>
+              <a:fillRect/>
+            </a:stretch>
+          </p:blipFill>
+          <p:spPr bwMode="auto">
+            <a:xfrm>
+              <a:off x="594099" y="4079800"/>
+              <a:ext cx="1876446" cy="1444863"/>
+            </a:xfrm>
+            <a:prstGeom prst="rect">
+              <a:avLst/>
+            </a:prstGeom>
+            <a:noFill/>
+            <a:ln>
+              <a:noFill/>
+            </a:ln>
+            <a:effectLst/>
+            <a:extLst>
+              <a:ext uri="{909E8E84-426E-40DD-AFC4-6F175D3DCCD1}">
+                <a14:hiddenFill xmlns:a14="http://schemas.microsoft.com/office/drawing/2010/main">
+                  <a:solidFill>
+                    <a:schemeClr val="accent1"/>
+                  </a:solidFill>
+                </a14:hiddenFill>
+              </a:ext>
+              <a:ext uri="{91240B29-F687-4F45-9708-019B960494DF}">
+                <a14:hiddenLine xmlns:a14="http://schemas.microsoft.com/office/drawing/2010/main" w="9525">
+                  <a:solidFill>
+                    <a:schemeClr val="tx1"/>
+                  </a:solidFill>
+                  <a:miter lim="800000"/>
+                  <a:headEnd/>
+                  <a:tailEnd/>
+                </a14:hiddenLine>
+              </a:ext>
+              <a:ext uri="{AF507438-7753-43E0-B8FC-AC1667EBCBE1}">
+                <a14:hiddenEffects xmlns:a14="http://schemas.microsoft.com/office/drawing/2010/main">
+                  <a:effectLst>
+                    <a:outerShdw dist="35921" dir="2700000" algn="ctr" rotWithShape="0">
+                      <a:schemeClr val="bg2"/>
+                    </a:outerShdw>
+                  </a:effectLst>
+                </a14:hiddenEffects>
+              </a:ext>
+            </a:extLst>
+          </p:spPr>
+        </p:pic>
+        <p:pic>
+          <p:nvPicPr>
+            <p:cNvPr id="1031" name="Picture 7"/>
+            <p:cNvPicPr>
+              <a:picLocks noChangeAspect="1" noChangeArrowheads="1"/>
+            </p:cNvPicPr>
+            <p:nvPr/>
+          </p:nvPicPr>
+          <p:blipFill>
+            <a:blip r:embed="rId3" cstate="print">
+              <a:extLst>
+                <a:ext uri="{28A0092B-C50C-407E-A947-70E740481C1C}">
+                  <a14:useLocalDpi xmlns:a14="http://schemas.microsoft.com/office/drawing/2010/main" val="0"/>
+                </a:ext>
+              </a:extLst>
+            </a:blip>
+            <a:srcRect/>
+            <a:stretch>
+              <a:fillRect/>
+            </a:stretch>
+          </p:blipFill>
+          <p:spPr bwMode="auto">
+            <a:xfrm>
+              <a:off x="850107" y="5183976"/>
+              <a:ext cx="3071812" cy="875109"/>
+            </a:xfrm>
+            <a:prstGeom prst="rect">
+              <a:avLst/>
+            </a:prstGeom>
+            <a:noFill/>
+            <a:ln>
+              <a:noFill/>
+            </a:ln>
+            <a:effectLst/>
+            <a:extLst>
+              <a:ext uri="{909E8E84-426E-40DD-AFC4-6F175D3DCCD1}">
+                <a14:hiddenFill xmlns:a14="http://schemas.microsoft.com/office/drawing/2010/main">
+                  <a:solidFill>
+                    <a:schemeClr val="accent1"/>
+                  </a:solidFill>
+                </a14:hiddenFill>
+              </a:ext>
+              <a:ext uri="{91240B29-F687-4F45-9708-019B960494DF}">
+                <a14:hiddenLine xmlns:a14="http://schemas.microsoft.com/office/drawing/2010/main" w="9525">
+                  <a:solidFill>
+                    <a:schemeClr val="tx1"/>
+                  </a:solidFill>
+                  <a:miter lim="800000"/>
+                  <a:headEnd/>
+                  <a:tailEnd/>
+                </a14:hiddenLine>
+              </a:ext>
+              <a:ext uri="{AF507438-7753-43E0-B8FC-AC1667EBCBE1}">
+                <a14:hiddenEffects xmlns:a14="http://schemas.microsoft.com/office/drawing/2010/main">
+                  <a:effectLst>
+                    <a:outerShdw dist="35921" dir="2700000" algn="ctr" rotWithShape="0">
+                      <a:schemeClr val="bg2"/>
+                    </a:outerShdw>
+                  </a:effectLst>
+                </a14:hiddenEffects>
+              </a:ext>
+            </a:extLst>
+          </p:spPr>
+        </p:pic>
+      </p:grpSp>
+      <p:pic>
+        <p:nvPicPr>
+          <p:cNvPr id="1026" name="Picture 2" descr="Z:\home\hodai\bgu\teza\teza\the thesis\img\the_drone.jpg"/>
+          <p:cNvPicPr>
+            <a:picLocks noChangeAspect="1" noChangeArrowheads="1"/>
+          </p:cNvPicPr>
+          <p:nvPr/>
+        </p:nvPicPr>
+        <p:blipFill>
+          <a:blip r:embed="rId4">
+            <a:extLst>
+              <a:ext uri="{28A0092B-C50C-407E-A947-70E740481C1C}">
+                <a14:useLocalDpi xmlns:a14="http://schemas.microsoft.com/office/drawing/2010/main" val="0"/>
+              </a:ext>
+            </a:extLst>
+          </a:blip>
+          <a:srcRect/>
+          <a:stretch>
+            <a:fillRect/>
+          </a:stretch>
+        </p:blipFill>
+        <p:spPr bwMode="auto">
+          <a:xfrm>
+            <a:off x="2377440" y="2269903"/>
+            <a:ext cx="6899319" cy="2914650"/>
+          </a:xfrm>
+          <a:prstGeom prst="rect">
+            <a:avLst/>
+          </a:prstGeom>
+          <a:noFill/>
+          <a:extLst>
+            <a:ext uri="{909E8E84-426E-40DD-AFC4-6F175D3DCCD1}">
+              <a14:hiddenFill xmlns:a14="http://schemas.microsoft.com/office/drawing/2010/main">
+                <a:solidFill>
+                  <a:srgbClr val="FFFFFF"/>
+                </a:solidFill>
+              </a14:hiddenFill>
+            </a:ext>
+          </a:extLst>
+        </p:spPr>
+      </p:pic>
+      <p:pic>
+        <p:nvPicPr>
+          <p:cNvPr id="1027" name="Picture 3"/>
+          <p:cNvPicPr>
+            <a:picLocks noChangeAspect="1" noChangeArrowheads="1"/>
+          </p:cNvPicPr>
+          <p:nvPr/>
+        </p:nvPicPr>
+        <p:blipFill>
+          <a:blip r:embed="rId5">
+            <a:extLst>
+              <a:ext uri="{28A0092B-C50C-407E-A947-70E740481C1C}">
+                <a14:useLocalDpi xmlns:a14="http://schemas.microsoft.com/office/drawing/2010/main" val="0"/>
+              </a:ext>
+            </a:extLst>
+          </a:blip>
+          <a:srcRect/>
+          <a:stretch>
+            <a:fillRect/>
+          </a:stretch>
+        </p:blipFill>
+        <p:spPr bwMode="auto">
+          <a:xfrm>
+            <a:off x="5035732" y="504409"/>
+            <a:ext cx="1582733" cy="1582733"/>
+          </a:xfrm>
+          <a:prstGeom prst="ellipse">
+            <a:avLst/>
+          </a:prstGeom>
+          <a:ln w="63500" cap="rnd">
+            <a:solidFill>
+              <a:srgbClr val="333333"/>
+            </a:solidFill>
+          </a:ln>
+          <a:effectLst>
+            <a:outerShdw blurRad="381000" dist="292100" dir="5400000" sx="-80000" sy="-18000" rotWithShape="0">
+              <a:srgbClr val="000000">
+                <a:alpha val="22000"/>
+              </a:srgbClr>
+            </a:outerShdw>
+          </a:effectLst>
+          <a:scene3d>
+            <a:camera prst="orthographicFront"/>
+            <a:lightRig rig="contrasting" dir="t">
+              <a:rot lat="0" lon="0" rev="3000000"/>
+            </a:lightRig>
+          </a:scene3d>
+          <a:sp3d contourW="7620">
+            <a:bevelT w="95250" h="31750"/>
+            <a:contourClr>
+              <a:srgbClr val="333333"/>
+            </a:contourClr>
+          </a:sp3d>
+          <a:extLst>
+            <a:ext uri="{909E8E84-426E-40DD-AFC4-6F175D3DCCD1}">
+              <a14:hiddenFill xmlns:a14="http://schemas.microsoft.com/office/drawing/2010/main">
+                <a:solidFill>
+                  <a:schemeClr val="accent1"/>
+                </a:solidFill>
+              </a14:hiddenFill>
+            </a:ext>
+            <a:ext uri="{91240B29-F687-4F45-9708-019B960494DF}">
+              <a14:hiddenLine xmlns:a14="http://schemas.microsoft.com/office/drawing/2010/main" w="9525">
+                <a:solidFill>
+                  <a:schemeClr val="tx1"/>
+                </a:solidFill>
+                <a:miter lim="800000"/>
+                <a:headEnd/>
+                <a:tailEnd/>
+              </a14:hiddenLine>
+            </a:ext>
+            <a:ext uri="{AF507438-7753-43E0-B8FC-AC1667EBCBE1}">
+              <a14:hiddenEffects xmlns:a14="http://schemas.microsoft.com/office/drawing/2010/main">
+                <a:effectLst>
+                  <a:outerShdw dist="35921" dir="2700000" algn="ctr" rotWithShape="0">
+                    <a:schemeClr val="bg2"/>
+                  </a:outerShdw>
+                </a:effectLst>
+              </a14:hiddenEffects>
+            </a:ext>
+          </a:extLst>
+        </p:spPr>
+      </p:pic>
+      <p:pic>
+        <p:nvPicPr>
+          <p:cNvPr id="1028" name="Picture 4"/>
+          <p:cNvPicPr>
+            <a:picLocks noChangeAspect="1" noChangeArrowheads="1"/>
+          </p:cNvPicPr>
+          <p:nvPr/>
+        </p:nvPicPr>
+        <p:blipFill>
+          <a:blip r:embed="rId6" cstate="print">
+            <a:extLst>
+              <a:ext uri="{28A0092B-C50C-407E-A947-70E740481C1C}">
+                <a14:useLocalDpi xmlns:a14="http://schemas.microsoft.com/office/drawing/2010/main" val="0"/>
+              </a:ext>
+            </a:extLst>
+          </a:blip>
+          <a:srcRect/>
+          <a:stretch>
+            <a:fillRect/>
+          </a:stretch>
+        </p:blipFill>
+        <p:spPr bwMode="auto">
+          <a:xfrm>
+            <a:off x="8117612" y="819526"/>
+            <a:ext cx="1159147" cy="1159147"/>
+          </a:xfrm>
+          <a:prstGeom prst="ellipse">
+            <a:avLst/>
+          </a:prstGeom>
+          <a:ln w="63500" cap="rnd">
+            <a:solidFill>
+              <a:srgbClr val="333333"/>
+            </a:solidFill>
+          </a:ln>
+          <a:effectLst>
+            <a:outerShdw blurRad="381000" dist="292100" dir="5400000" sx="-80000" sy="-18000" rotWithShape="0">
+              <a:srgbClr val="000000">
+                <a:alpha val="22000"/>
+              </a:srgbClr>
+            </a:outerShdw>
+          </a:effectLst>
+          <a:scene3d>
+            <a:camera prst="orthographicFront"/>
+            <a:lightRig rig="contrasting" dir="t">
+              <a:rot lat="0" lon="0" rev="3000000"/>
+            </a:lightRig>
+          </a:scene3d>
+          <a:sp3d contourW="7620">
+            <a:bevelT w="95250" h="31750"/>
+            <a:contourClr>
+              <a:srgbClr val="333333"/>
+            </a:contourClr>
+          </a:sp3d>
+          <a:extLst>
+            <a:ext uri="{909E8E84-426E-40DD-AFC4-6F175D3DCCD1}">
+              <a14:hiddenFill xmlns:a14="http://schemas.microsoft.com/office/drawing/2010/main">
+                <a:solidFill>
+                  <a:schemeClr val="accent1"/>
+                </a:solidFill>
+              </a14:hiddenFill>
+            </a:ext>
+            <a:ext uri="{91240B29-F687-4F45-9708-019B960494DF}">
+              <a14:hiddenLine xmlns:a14="http://schemas.microsoft.com/office/drawing/2010/main" w="9525">
+                <a:solidFill>
+                  <a:schemeClr val="tx1"/>
+                </a:solidFill>
+                <a:miter lim="800000"/>
+                <a:headEnd/>
+                <a:tailEnd/>
+              </a14:hiddenLine>
+            </a:ext>
+            <a:ext uri="{AF507438-7753-43E0-B8FC-AC1667EBCBE1}">
+              <a14:hiddenEffects xmlns:a14="http://schemas.microsoft.com/office/drawing/2010/main">
+                <a:effectLst>
+                  <a:outerShdw dist="35921" dir="2700000" algn="ctr" rotWithShape="0">
+                    <a:schemeClr val="bg2"/>
+                  </a:outerShdw>
+                </a:effectLst>
+              </a14:hiddenEffects>
+            </a:ext>
+          </a:extLst>
+        </p:spPr>
+      </p:pic>
+      <p:pic>
+        <p:nvPicPr>
+          <p:cNvPr id="1029" name="Picture 5"/>
+          <p:cNvPicPr>
+            <a:picLocks noChangeAspect="1" noChangeArrowheads="1"/>
+          </p:cNvPicPr>
+          <p:nvPr/>
+        </p:nvPicPr>
+        <p:blipFill>
+          <a:blip r:embed="rId7">
+            <a:extLst>
+              <a:ext uri="{28A0092B-C50C-407E-A947-70E740481C1C}">
+                <a14:useLocalDpi xmlns:a14="http://schemas.microsoft.com/office/drawing/2010/main" val="0"/>
+              </a:ext>
+            </a:extLst>
+          </a:blip>
+          <a:srcRect/>
+          <a:stretch>
+            <a:fillRect/>
+          </a:stretch>
+        </p:blipFill>
+        <p:spPr bwMode="auto">
+          <a:xfrm>
+            <a:off x="1958612" y="819526"/>
+            <a:ext cx="1800225" cy="952500"/>
+          </a:xfrm>
+          <a:prstGeom prst="rect">
+            <a:avLst/>
+          </a:prstGeom>
+          <a:ln>
+            <a:noFill/>
+          </a:ln>
+          <a:effectLst>
+            <a:outerShdw blurRad="292100" dist="139700" dir="2700000" algn="tl" rotWithShape="0">
+              <a:srgbClr val="333333">
+                <a:alpha val="65000"/>
+              </a:srgbClr>
+            </a:outerShdw>
+          </a:effectLst>
+          <a:extLst>
+            <a:ext uri="{909E8E84-426E-40DD-AFC4-6F175D3DCCD1}">
+              <a14:hiddenFill xmlns:a14="http://schemas.microsoft.com/office/drawing/2010/main">
+                <a:solidFill>
+                  <a:schemeClr val="accent1"/>
+                </a:solidFill>
+              </a14:hiddenFill>
+            </a:ext>
+            <a:ext uri="{91240B29-F687-4F45-9708-019B960494DF}">
+              <a14:hiddenLine xmlns:a14="http://schemas.microsoft.com/office/drawing/2010/main" w="9525">
+                <a:solidFill>
+                  <a:schemeClr val="tx1"/>
+                </a:solidFill>
+                <a:miter lim="800000"/>
+                <a:headEnd/>
+                <a:tailEnd/>
+              </a14:hiddenLine>
+            </a:ext>
+            <a:ext uri="{AF507438-7753-43E0-B8FC-AC1667EBCBE1}">
+              <a14:hiddenEffects xmlns:a14="http://schemas.microsoft.com/office/drawing/2010/main">
+                <a:effectLst>
+                  <a:outerShdw dist="35921" dir="2700000" algn="ctr" rotWithShape="0">
+                    <a:schemeClr val="bg2"/>
+                  </a:outerShdw>
+                </a:effectLst>
+              </a14:hiddenEffects>
+            </a:ext>
+          </a:extLst>
+        </p:spPr>
+      </p:pic>
+      <p:sp>
+        <p:nvSpPr>
+          <p:cNvPr id="7" name="TextBox 6"/>
+          <p:cNvSpPr txBox="1"/>
+          <p:nvPr/>
+        </p:nvSpPr>
+        <p:spPr>
+          <a:xfrm>
+            <a:off x="7686537" y="5292430"/>
+            <a:ext cx="1322093" cy="369332"/>
+          </a:xfrm>
+          <a:prstGeom prst="rect">
+            <a:avLst/>
+          </a:prstGeom>
+          <a:noFill/>
+        </p:spPr>
+        <p:txBody>
+          <a:bodyPr wrap="none" rtlCol="0">
+            <a:spAutoFit/>
+          </a:bodyPr>
+          <a:lstStyle/>
+          <a:p>
+            <a:r>
+              <a:rPr lang="en-US" dirty="0"/>
+              <a:t>Spedix-S250</a:t>
+            </a:r>
+          </a:p>
+        </p:txBody>
+      </p:sp>
+      <p:sp>
+        <p:nvSpPr>
+          <p:cNvPr id="8" name="TextBox 7"/>
+          <p:cNvSpPr txBox="1"/>
+          <p:nvPr/>
+        </p:nvSpPr>
+        <p:spPr>
+          <a:xfrm>
+            <a:off x="6251916" y="378850"/>
+            <a:ext cx="1544846" cy="369332"/>
+          </a:xfrm>
+          <a:prstGeom prst="rect">
+            <a:avLst/>
+          </a:prstGeom>
+          <a:noFill/>
+        </p:spPr>
+        <p:txBody>
+          <a:bodyPr wrap="none" rtlCol="0">
+            <a:spAutoFit/>
+          </a:bodyPr>
+          <a:lstStyle/>
+          <a:p>
+            <a:r>
+              <a:rPr lang="en-US" dirty="0" smtClean="0"/>
+              <a:t>Raspberry-pi 3</a:t>
+            </a:r>
+            <a:endParaRPr lang="en-US" dirty="0"/>
+          </a:p>
+        </p:txBody>
+      </p:sp>
+      <p:sp>
+        <p:nvSpPr>
+          <p:cNvPr id="9" name="TextBox 8"/>
+          <p:cNvSpPr txBox="1"/>
+          <p:nvPr/>
+        </p:nvSpPr>
+        <p:spPr>
+          <a:xfrm>
+            <a:off x="7228879" y="1751386"/>
+            <a:ext cx="1118704" cy="369332"/>
+          </a:xfrm>
+          <a:prstGeom prst="rect">
+            <a:avLst/>
+          </a:prstGeom>
+          <a:noFill/>
+        </p:spPr>
+        <p:txBody>
+          <a:bodyPr wrap="none" rtlCol="0">
+            <a:spAutoFit/>
+          </a:bodyPr>
+          <a:lstStyle/>
+          <a:p>
+            <a:r>
+              <a:rPr lang="en-US" dirty="0" smtClean="0"/>
+              <a:t>Pi-camera</a:t>
+            </a:r>
+            <a:endParaRPr lang="en-US" dirty="0"/>
+          </a:p>
+        </p:txBody>
+      </p:sp>
+      <p:cxnSp>
+        <p:nvCxnSpPr>
+          <p:cNvPr id="11" name="Straight Arrow Connector 10"/>
+          <p:cNvCxnSpPr>
+            <a:stCxn id="1027" idx="4"/>
+          </p:cNvCxnSpPr>
+          <p:nvPr/>
+        </p:nvCxnSpPr>
+        <p:spPr>
+          <a:xfrm>
+            <a:off x="5827099" y="2087142"/>
+            <a:ext cx="142627" cy="930378"/>
+          </a:xfrm>
+          <a:prstGeom prst="straightConnector1">
+            <a:avLst/>
+          </a:prstGeom>
+          <a:ln w="57150">
+            <a:tailEnd type="arrow"/>
+          </a:ln>
+        </p:spPr>
+        <p:style>
+          <a:lnRef idx="3">
+            <a:schemeClr val="accent2"/>
+          </a:lnRef>
+          <a:fillRef idx="0">
+            <a:schemeClr val="accent2"/>
+          </a:fillRef>
+          <a:effectRef idx="2">
+            <a:schemeClr val="accent2"/>
+          </a:effectRef>
+          <a:fontRef idx="minor">
+            <a:schemeClr val="tx1"/>
+          </a:fontRef>
+        </p:style>
+      </p:cxnSp>
+      <p:cxnSp>
+        <p:nvCxnSpPr>
+          <p:cNvPr id="22" name="Straight Arrow Connector 21"/>
+          <p:cNvCxnSpPr/>
+          <p:nvPr/>
+        </p:nvCxnSpPr>
+        <p:spPr>
+          <a:xfrm>
+            <a:off x="4041350" y="1399099"/>
+            <a:ext cx="994382" cy="0"/>
+          </a:xfrm>
+          <a:prstGeom prst="straightConnector1">
+            <a:avLst/>
+          </a:prstGeom>
+          <a:ln w="57150">
+            <a:tailEnd type="arrow"/>
+          </a:ln>
+        </p:spPr>
+        <p:style>
+          <a:lnRef idx="3">
+            <a:schemeClr val="accent2"/>
+          </a:lnRef>
+          <a:fillRef idx="0">
+            <a:schemeClr val="accent2"/>
+          </a:fillRef>
+          <a:effectRef idx="2">
+            <a:schemeClr val="accent2"/>
+          </a:effectRef>
+          <a:fontRef idx="minor">
+            <a:schemeClr val="tx1"/>
+          </a:fontRef>
+        </p:style>
+      </p:cxnSp>
+      <p:cxnSp>
+        <p:nvCxnSpPr>
+          <p:cNvPr id="25" name="Straight Arrow Connector 24"/>
+          <p:cNvCxnSpPr/>
+          <p:nvPr/>
+        </p:nvCxnSpPr>
+        <p:spPr>
+          <a:xfrm flipH="1">
+            <a:off x="6618465" y="1295776"/>
+            <a:ext cx="1499147" cy="0"/>
+          </a:xfrm>
+          <a:prstGeom prst="straightConnector1">
+            <a:avLst/>
+          </a:prstGeom>
+          <a:ln w="57150">
+            <a:tailEnd type="arrow"/>
+          </a:ln>
+        </p:spPr>
+        <p:style>
+          <a:lnRef idx="3">
+            <a:schemeClr val="accent2"/>
+          </a:lnRef>
+          <a:fillRef idx="0">
+            <a:schemeClr val="accent2"/>
+          </a:fillRef>
+          <a:effectRef idx="2">
+            <a:schemeClr val="accent2"/>
+          </a:effectRef>
+          <a:fontRef idx="minor">
+            <a:schemeClr val="tx1"/>
+          </a:fontRef>
+        </p:style>
+      </p:cxnSp>
+      <p:cxnSp>
+        <p:nvCxnSpPr>
+          <p:cNvPr id="28" name="Straight Arrow Connector 27"/>
+          <p:cNvCxnSpPr/>
+          <p:nvPr/>
+        </p:nvCxnSpPr>
+        <p:spPr>
+          <a:xfrm flipV="1">
+            <a:off x="2377440" y="4054718"/>
+            <a:ext cx="481284" cy="1237712"/>
+          </a:xfrm>
+          <a:prstGeom prst="straightConnector1">
+            <a:avLst/>
+          </a:prstGeom>
+          <a:ln w="57150">
+            <a:tailEnd type="arrow"/>
+          </a:ln>
+        </p:spPr>
+        <p:style>
+          <a:lnRef idx="3">
+            <a:schemeClr val="accent2"/>
+          </a:lnRef>
+          <a:fillRef idx="0">
+            <a:schemeClr val="accent2"/>
+          </a:fillRef>
+          <a:effectRef idx="2">
+            <a:schemeClr val="accent2"/>
+          </a:effectRef>
+          <a:fontRef idx="minor">
+            <a:schemeClr val="tx1"/>
+          </a:fontRef>
+        </p:style>
+      </p:cxnSp>
+      <p:cxnSp>
+        <p:nvCxnSpPr>
+          <p:cNvPr id="31" name="Straight Arrow Connector 30"/>
+          <p:cNvCxnSpPr/>
+          <p:nvPr/>
+        </p:nvCxnSpPr>
+        <p:spPr>
+          <a:xfrm flipV="1">
+            <a:off x="2505444" y="4231175"/>
+            <a:ext cx="4723435" cy="1061255"/>
+          </a:xfrm>
+          <a:prstGeom prst="straightConnector1">
+            <a:avLst/>
+          </a:prstGeom>
+          <a:ln w="57150">
+            <a:tailEnd type="arrow"/>
+          </a:ln>
+        </p:spPr>
+        <p:style>
+          <a:lnRef idx="3">
+            <a:schemeClr val="accent2"/>
+          </a:lnRef>
+          <a:fillRef idx="0">
+            <a:schemeClr val="accent2"/>
+          </a:fillRef>
+          <a:effectRef idx="2">
+            <a:schemeClr val="accent2"/>
+          </a:effectRef>
+          <a:fontRef idx="minor">
+            <a:schemeClr val="tx1"/>
+          </a:fontRef>
+        </p:style>
+      </p:cxnSp>
+    </p:spTree>
+    <p:extLst>
+      <p:ext uri="{BB962C8B-B14F-4D97-AF65-F5344CB8AC3E}">
+        <p14:creationId xmlns:p14="http://schemas.microsoft.com/office/powerpoint/2010/main" val="1272376086"/>
+      </p:ext>
+    </p:extLst>
+  </p:cSld>
+  <p:clrMapOvr>
+    <a:masterClrMapping/>
+  </p:clrMapOvr>
+  <p:timing>
+    <p:tnLst>
+      <p:par>
+        <p:cTn id="1" dur="indefinite" restart="never" nodeType="tmRoot"/>
+      </p:par>
+    </p:tnLst>
+  </p:timing>
+</p:sld>
+</file>
+
+<file path=ppt/slides/slide7.xml><?xml version="1.0" encoding="utf-8"?>
+<p:sld xmlns:a="http://schemas.openxmlformats.org/drawingml/2006/main" xmlns:r="http://schemas.openxmlformats.org/officeDocument/2006/relationships" xmlns:p="http://schemas.openxmlformats.org/presentationml/2006/main">
+  <p:cSld>
+    <p:spTree>
+      <p:nvGrpSpPr>
+        <p:cNvPr id="1" name=""/>
+        <p:cNvGrpSpPr/>
+        <p:nvPr/>
+      </p:nvGrpSpPr>
+      <p:grpSpPr>
+        <a:xfrm>
+          <a:off x="0" y="0"/>
+          <a:ext cx="0" cy="0"/>
+          <a:chOff x="0" y="0"/>
+          <a:chExt cx="0" cy="0"/>
+        </a:xfrm>
+      </p:grpSpPr>
+      <p:cxnSp>
+        <p:nvCxnSpPr>
+          <p:cNvPr id="11" name="Straight Connector 10"/>
+          <p:cNvCxnSpPr/>
+          <p:nvPr/>
+        </p:nvCxnSpPr>
+        <p:spPr>
+          <a:xfrm>
+            <a:off x="1983921" y="4849586"/>
+            <a:ext cx="7764236" cy="0"/>
+          </a:xfrm>
+          <a:prstGeom prst="line">
+            <a:avLst/>
+          </a:prstGeom>
+          <a:ln w="28575">
+            <a:solidFill>
+              <a:schemeClr val="tx1"/>
+            </a:solidFill>
+          </a:ln>
+        </p:spPr>
+        <p:style>
+          <a:lnRef idx="1">
+            <a:schemeClr val="accent1"/>
+          </a:lnRef>
+          <a:fillRef idx="0">
+            <a:schemeClr val="accent1"/>
+          </a:fillRef>
+          <a:effectRef idx="0">
+            <a:schemeClr val="accent1"/>
+          </a:effectRef>
+          <a:fontRef idx="minor">
+            <a:schemeClr val="tx1"/>
+          </a:fontRef>
+        </p:style>
+      </p:cxnSp>
+      <p:sp>
+        <p:nvSpPr>
+          <p:cNvPr id="14" name="Freeform 13"/>
+          <p:cNvSpPr/>
+          <p:nvPr/>
+        </p:nvSpPr>
+        <p:spPr>
+          <a:xfrm>
+            <a:off x="2628900" y="1959430"/>
+            <a:ext cx="4114800" cy="2865664"/>
+          </a:xfrm>
+          <a:custGeom>
+            <a:avLst/>
+            <a:gdLst>
+              <a:gd name="connsiteX0" fmla="*/ 0 w 2245178"/>
+              <a:gd name="connsiteY0" fmla="*/ 1681911 h 1681911"/>
+              <a:gd name="connsiteX1" fmla="*/ 522514 w 2245178"/>
+              <a:gd name="connsiteY1" fmla="*/ 1257368 h 1681911"/>
+              <a:gd name="connsiteX2" fmla="*/ 1159328 w 2245178"/>
+              <a:gd name="connsiteY2" fmla="*/ 68 h 1681911"/>
+              <a:gd name="connsiteX3" fmla="*/ 1787978 w 2245178"/>
+              <a:gd name="connsiteY3" fmla="*/ 1314518 h 1681911"/>
+              <a:gd name="connsiteX4" fmla="*/ 2245178 w 2245178"/>
+              <a:gd name="connsiteY4" fmla="*/ 1632925 h 1681911"/>
+            </a:gdLst>
+            <a:ahLst/>
+            <a:cxnLst>
+              <a:cxn ang="0">
+                <a:pos x="connsiteX0" y="connsiteY0"/>
+              </a:cxn>
+              <a:cxn ang="0">
+                <a:pos x="connsiteX1" y="connsiteY1"/>
+              </a:cxn>
+              <a:cxn ang="0">
+                <a:pos x="connsiteX2" y="connsiteY2"/>
+              </a:cxn>
+              <a:cxn ang="0">
+                <a:pos x="connsiteX3" y="connsiteY3"/>
+              </a:cxn>
+              <a:cxn ang="0">
+                <a:pos x="connsiteX4" y="connsiteY4"/>
+              </a:cxn>
+            </a:cxnLst>
+            <a:rect l="l" t="t" r="r" b="b"/>
+            <a:pathLst>
+              <a:path w="2245178" h="1681911">
+                <a:moveTo>
+                  <a:pt x="0" y="1681911"/>
+                </a:moveTo>
+                <a:cubicBezTo>
+                  <a:pt x="164646" y="1609793"/>
+                  <a:pt x="329293" y="1537675"/>
+                  <a:pt x="522514" y="1257368"/>
+                </a:cubicBezTo>
+                <a:cubicBezTo>
+                  <a:pt x="715735" y="977061"/>
+                  <a:pt x="948417" y="-9457"/>
+                  <a:pt x="1159328" y="68"/>
+                </a:cubicBezTo>
+                <a:cubicBezTo>
+                  <a:pt x="1370239" y="9593"/>
+                  <a:pt x="1607003" y="1042375"/>
+                  <a:pt x="1787978" y="1314518"/>
+                </a:cubicBezTo>
+                <a:cubicBezTo>
+                  <a:pt x="1968953" y="1586661"/>
+                  <a:pt x="2107065" y="1609793"/>
+                  <a:pt x="2245178" y="1632925"/>
+                </a:cubicBezTo>
+              </a:path>
+            </a:pathLst>
+          </a:custGeom>
+          <a:ln w="28575">
+            <a:solidFill>
+              <a:srgbClr val="FF0000"/>
+            </a:solidFill>
+          </a:ln>
+        </p:spPr>
+        <p:style>
+          <a:lnRef idx="1">
+            <a:schemeClr val="accent1"/>
+          </a:lnRef>
+          <a:fillRef idx="0">
+            <a:schemeClr val="accent1"/>
+          </a:fillRef>
+          <a:effectRef idx="0">
+            <a:schemeClr val="accent1"/>
+          </a:effectRef>
+          <a:fontRef idx="minor">
+            <a:schemeClr val="tx1"/>
+          </a:fontRef>
+        </p:style>
+        <p:txBody>
+          <a:bodyPr rtlCol="0" anchor="ctr"/>
+          <a:lstStyle/>
+          <a:p>
+            <a:pPr algn="ctr"/>
+            <a:endParaRPr lang="en-US"/>
+          </a:p>
+        </p:txBody>
+      </p:sp>
+      <p:sp>
+        <p:nvSpPr>
+          <p:cNvPr id="16" name="Freeform 15"/>
+          <p:cNvSpPr/>
+          <p:nvPr/>
+        </p:nvSpPr>
+        <p:spPr>
+          <a:xfrm>
+            <a:off x="3516075" y="2751360"/>
+            <a:ext cx="5497295" cy="2046515"/>
+          </a:xfrm>
+          <a:custGeom>
+            <a:avLst/>
+            <a:gdLst>
+              <a:gd name="connsiteX0" fmla="*/ 0 w 2245178"/>
+              <a:gd name="connsiteY0" fmla="*/ 1681911 h 1681911"/>
+              <a:gd name="connsiteX1" fmla="*/ 522514 w 2245178"/>
+              <a:gd name="connsiteY1" fmla="*/ 1257368 h 1681911"/>
+              <a:gd name="connsiteX2" fmla="*/ 1159328 w 2245178"/>
+              <a:gd name="connsiteY2" fmla="*/ 68 h 1681911"/>
+              <a:gd name="connsiteX3" fmla="*/ 1787978 w 2245178"/>
+              <a:gd name="connsiteY3" fmla="*/ 1314518 h 1681911"/>
+              <a:gd name="connsiteX4" fmla="*/ 2245178 w 2245178"/>
+              <a:gd name="connsiteY4" fmla="*/ 1632925 h 1681911"/>
+            </a:gdLst>
+            <a:ahLst/>
+            <a:cxnLst>
+              <a:cxn ang="0">
+                <a:pos x="connsiteX0" y="connsiteY0"/>
+              </a:cxn>
+              <a:cxn ang="0">
+                <a:pos x="connsiteX1" y="connsiteY1"/>
+              </a:cxn>
+              <a:cxn ang="0">
+                <a:pos x="connsiteX2" y="connsiteY2"/>
+              </a:cxn>
+              <a:cxn ang="0">
+                <a:pos x="connsiteX3" y="connsiteY3"/>
+              </a:cxn>
+              <a:cxn ang="0">
+                <a:pos x="connsiteX4" y="connsiteY4"/>
+              </a:cxn>
+            </a:cxnLst>
+            <a:rect l="l" t="t" r="r" b="b"/>
+            <a:pathLst>
+              <a:path w="2245178" h="1681911">
+                <a:moveTo>
+                  <a:pt x="0" y="1681911"/>
+                </a:moveTo>
+                <a:cubicBezTo>
+                  <a:pt x="164646" y="1609793"/>
+                  <a:pt x="329293" y="1537675"/>
+                  <a:pt x="522514" y="1257368"/>
+                </a:cubicBezTo>
+                <a:cubicBezTo>
+                  <a:pt x="715735" y="977061"/>
+                  <a:pt x="948417" y="-9457"/>
+                  <a:pt x="1159328" y="68"/>
+                </a:cubicBezTo>
+                <a:cubicBezTo>
+                  <a:pt x="1370239" y="9593"/>
+                  <a:pt x="1607003" y="1042375"/>
+                  <a:pt x="1787978" y="1314518"/>
+                </a:cubicBezTo>
+                <a:cubicBezTo>
+                  <a:pt x="1968953" y="1586661"/>
+                  <a:pt x="2107065" y="1609793"/>
+                  <a:pt x="2245178" y="1632925"/>
+                </a:cubicBezTo>
+              </a:path>
+            </a:pathLst>
+          </a:custGeom>
+          <a:ln w="28575">
+            <a:solidFill>
+              <a:srgbClr val="1F1FFD"/>
+            </a:solidFill>
+          </a:ln>
+        </p:spPr>
+        <p:style>
+          <a:lnRef idx="1">
+            <a:schemeClr val="accent1"/>
+          </a:lnRef>
+          <a:fillRef idx="0">
+            <a:schemeClr val="accent1"/>
+          </a:fillRef>
+          <a:effectRef idx="0">
+            <a:schemeClr val="accent1"/>
+          </a:effectRef>
+          <a:fontRef idx="minor">
+            <a:schemeClr val="tx1"/>
+          </a:fontRef>
+        </p:style>
+        <p:txBody>
+          <a:bodyPr rtlCol="0" anchor="ctr"/>
+          <a:lstStyle/>
+          <a:p>
+            <a:pPr algn="ctr"/>
+            <a:endParaRPr lang="en-US"/>
+          </a:p>
+        </p:txBody>
+      </p:sp>
+      <p:cxnSp>
+        <p:nvCxnSpPr>
+          <p:cNvPr id="17" name="Straight Connector 16"/>
+          <p:cNvCxnSpPr/>
+          <p:nvPr/>
+        </p:nvCxnSpPr>
+        <p:spPr>
+          <a:xfrm>
+            <a:off x="5339443" y="1551214"/>
+            <a:ext cx="0" cy="3486150"/>
+          </a:xfrm>
+          <a:prstGeom prst="line">
+            <a:avLst/>
+          </a:prstGeom>
+          <a:ln w="28575">
+            <a:solidFill>
+              <a:schemeClr val="accent2">
+                <a:lumMod val="75000"/>
+              </a:schemeClr>
+            </a:solidFill>
+          </a:ln>
+        </p:spPr>
+        <p:style>
+          <a:lnRef idx="1">
+            <a:schemeClr val="accent1"/>
+          </a:lnRef>
+          <a:fillRef idx="0">
+            <a:schemeClr val="accent1"/>
+          </a:fillRef>
+          <a:effectRef idx="0">
+            <a:schemeClr val="accent1"/>
+          </a:effectRef>
+          <a:fontRef idx="minor">
+            <a:schemeClr val="tx1"/>
+          </a:fontRef>
+        </p:style>
+      </p:cxnSp>
+      <p:cxnSp>
+        <p:nvCxnSpPr>
+          <p:cNvPr id="21" name="Straight Connector 20"/>
+          <p:cNvCxnSpPr>
+            <a:endCxn id="14" idx="2"/>
+          </p:cNvCxnSpPr>
+          <p:nvPr/>
+        </p:nvCxnSpPr>
+        <p:spPr>
+          <a:xfrm flipV="1">
+            <a:off x="4753633" y="1959546"/>
+            <a:ext cx="0" cy="3077818"/>
+          </a:xfrm>
+          <a:prstGeom prst="line">
+            <a:avLst/>
+          </a:prstGeom>
+          <a:ln>
+            <a:solidFill>
+              <a:srgbClr val="FF0000"/>
+            </a:solidFill>
+            <a:prstDash val="lgDashDot"/>
+          </a:ln>
+        </p:spPr>
+        <p:style>
+          <a:lnRef idx="1">
+            <a:schemeClr val="accent1"/>
+          </a:lnRef>
+          <a:fillRef idx="0">
+            <a:schemeClr val="accent1"/>
+          </a:fillRef>
+          <a:effectRef idx="0">
+            <a:schemeClr val="accent1"/>
+          </a:effectRef>
+          <a:fontRef idx="minor">
+            <a:schemeClr val="tx1"/>
+          </a:fontRef>
+        </p:style>
+      </p:cxnSp>
+      <p:cxnSp>
+        <p:nvCxnSpPr>
+          <p:cNvPr id="24" name="Straight Connector 23"/>
+          <p:cNvCxnSpPr/>
+          <p:nvPr/>
+        </p:nvCxnSpPr>
+        <p:spPr>
+          <a:xfrm flipV="1">
+            <a:off x="6342947" y="2751360"/>
+            <a:ext cx="0" cy="2286004"/>
+          </a:xfrm>
+          <a:prstGeom prst="line">
+            <a:avLst/>
+          </a:prstGeom>
+          <a:ln>
+            <a:solidFill>
+              <a:srgbClr val="1F1FFD"/>
+            </a:solidFill>
+            <a:prstDash val="lgDashDot"/>
+          </a:ln>
+        </p:spPr>
+        <p:style>
+          <a:lnRef idx="1">
+            <a:schemeClr val="accent1"/>
+          </a:lnRef>
+          <a:fillRef idx="0">
+            <a:schemeClr val="accent1"/>
+          </a:fillRef>
+          <a:effectRef idx="0">
+            <a:schemeClr val="accent1"/>
+          </a:effectRef>
+          <a:fontRef idx="minor">
+            <a:schemeClr val="tx1"/>
+          </a:fontRef>
+        </p:style>
+      </p:cxnSp>
+      <p:cxnSp>
+        <p:nvCxnSpPr>
+          <p:cNvPr id="26" name="Straight Arrow Connector 25"/>
+          <p:cNvCxnSpPr/>
+          <p:nvPr/>
+        </p:nvCxnSpPr>
+        <p:spPr>
+          <a:xfrm>
+            <a:off x="4753633" y="5151664"/>
+            <a:ext cx="585810" cy="0"/>
+          </a:xfrm>
+          <a:prstGeom prst="straightConnector1">
+            <a:avLst/>
+          </a:prstGeom>
+          <a:ln>
+            <a:solidFill>
+              <a:srgbClr val="FF0000"/>
+            </a:solidFill>
+            <a:headEnd type="arrow"/>
+            <a:tailEnd type="arrow"/>
+          </a:ln>
+        </p:spPr>
+        <p:style>
+          <a:lnRef idx="1">
+            <a:schemeClr val="accent1"/>
+          </a:lnRef>
+          <a:fillRef idx="0">
+            <a:schemeClr val="accent1"/>
+          </a:fillRef>
+          <a:effectRef idx="0">
+            <a:schemeClr val="accent1"/>
+          </a:effectRef>
+          <a:fontRef idx="minor">
+            <a:schemeClr val="tx1"/>
+          </a:fontRef>
+        </p:style>
+      </p:cxnSp>
+      <p:cxnSp>
+        <p:nvCxnSpPr>
+          <p:cNvPr id="28" name="Straight Arrow Connector 27"/>
+          <p:cNvCxnSpPr/>
+          <p:nvPr/>
+        </p:nvCxnSpPr>
+        <p:spPr>
+          <a:xfrm>
+            <a:off x="5339443" y="5151664"/>
+            <a:ext cx="1003504" cy="0"/>
+          </a:xfrm>
+          <a:prstGeom prst="straightConnector1">
+            <a:avLst/>
+          </a:prstGeom>
+          <a:ln>
+            <a:solidFill>
+              <a:srgbClr val="1F1FFD"/>
+            </a:solidFill>
+            <a:headEnd type="arrow"/>
+            <a:tailEnd type="arrow"/>
+          </a:ln>
+        </p:spPr>
+        <p:style>
+          <a:lnRef idx="1">
+            <a:schemeClr val="accent1"/>
+          </a:lnRef>
+          <a:fillRef idx="0">
+            <a:schemeClr val="accent1"/>
+          </a:fillRef>
+          <a:effectRef idx="0">
+            <a:schemeClr val="accent1"/>
+          </a:effectRef>
+          <a:fontRef idx="minor">
+            <a:schemeClr val="tx1"/>
+          </a:fontRef>
+        </p:style>
+      </p:cxnSp>
+      <p:cxnSp>
+        <p:nvCxnSpPr>
+          <p:cNvPr id="30" name="Straight Arrow Connector 29"/>
+          <p:cNvCxnSpPr/>
+          <p:nvPr/>
+        </p:nvCxnSpPr>
+        <p:spPr>
+          <a:xfrm>
+            <a:off x="4765528" y="5437414"/>
+            <a:ext cx="1589314" cy="0"/>
+          </a:xfrm>
+          <a:prstGeom prst="straightConnector1">
+            <a:avLst/>
+          </a:prstGeom>
+          <a:ln>
+            <a:solidFill>
+              <a:schemeClr val="accent2">
+                <a:lumMod val="75000"/>
+              </a:schemeClr>
+            </a:solidFill>
+            <a:headEnd type="arrow"/>
+            <a:tailEnd type="arrow"/>
+          </a:ln>
+        </p:spPr>
+        <p:style>
+          <a:lnRef idx="1">
+            <a:schemeClr val="accent1"/>
+          </a:lnRef>
+          <a:fillRef idx="0">
+            <a:schemeClr val="accent1"/>
+          </a:fillRef>
+          <a:effectRef idx="0">
+            <a:schemeClr val="accent1"/>
+          </a:effectRef>
+          <a:fontRef idx="minor">
+            <a:schemeClr val="tx1"/>
+          </a:fontRef>
+        </p:style>
+      </p:cxnSp>
+      <mc:AlternateContent xmlns:mc="http://schemas.openxmlformats.org/markup-compatibility/2006">
+        <mc:Choice xmlns:a14="http://schemas.microsoft.com/office/drawing/2010/main" Requires="a14">
+          <p:sp>
+            <p:nvSpPr>
+              <p:cNvPr id="31" name="TextBox 30"/>
+              <p:cNvSpPr txBox="1"/>
+              <p:nvPr/>
+            </p:nvSpPr>
+            <p:spPr>
+              <a:xfrm>
+                <a:off x="4974340" y="1088962"/>
+                <a:ext cx="661656" cy="369332"/>
+              </a:xfrm>
+              <a:prstGeom prst="rect">
+                <a:avLst/>
+              </a:prstGeom>
+              <a:noFill/>
+            </p:spPr>
+            <p:txBody>
+              <a:bodyPr wrap="none" rtlCol="0">
+                <a:spAutoFit/>
+              </a:bodyPr>
+              <a:lstStyle/>
+              <a:p>
+                <a14:m>
+                  <m:oMathPara xmlns:m="http://schemas.openxmlformats.org/officeDocument/2006/math">
+                    <m:oMathParaPr>
+                      <m:jc m:val="centerGroup"/>
+                    </m:oMathParaPr>
+                    <m:oMath xmlns:m="http://schemas.openxmlformats.org/officeDocument/2006/math">
+                      <m:r>
+                        <a:rPr lang="en-US" b="0" i="1" smtClean="0">
+                          <a:solidFill>
+                            <a:schemeClr val="accent2">
+                              <a:lumMod val="75000"/>
+                            </a:schemeClr>
+                          </a:solidFill>
+                          <a:latin typeface="Cambria Math"/>
+                        </a:rPr>
+                        <m:t>𝑥</m:t>
+                      </m:r>
+                      <m:r>
+                        <a:rPr lang="en-US" b="0" i="1" smtClean="0">
+                          <a:solidFill>
+                            <a:schemeClr val="accent2">
+                              <a:lumMod val="75000"/>
+                            </a:schemeClr>
+                          </a:solidFill>
+                          <a:latin typeface="Cambria Math"/>
+                        </a:rPr>
+                        <m:t>[</m:t>
+                      </m:r>
+                      <m:r>
+                        <a:rPr lang="en-US" b="0" i="1" smtClean="0">
+                          <a:solidFill>
+                            <a:schemeClr val="accent2">
+                              <a:lumMod val="75000"/>
+                            </a:schemeClr>
+                          </a:solidFill>
+                          <a:latin typeface="Cambria Math"/>
+                        </a:rPr>
+                        <m:t>𝑘</m:t>
+                      </m:r>
+                      <m:r>
+                        <a:rPr lang="en-US" b="0" i="1" smtClean="0">
+                          <a:solidFill>
+                            <a:schemeClr val="accent2">
+                              <a:lumMod val="75000"/>
+                            </a:schemeClr>
+                          </a:solidFill>
+                          <a:latin typeface="Cambria Math"/>
+                        </a:rPr>
+                        <m:t>]</m:t>
+                      </m:r>
+                    </m:oMath>
+                  </m:oMathPara>
+                </a14:m>
+                <a:endParaRPr lang="en-US" dirty="0">
+                  <a:solidFill>
+                    <a:schemeClr val="accent2">
+                      <a:lumMod val="75000"/>
+                    </a:schemeClr>
+                  </a:solidFill>
+                </a:endParaRPr>
+              </a:p>
+            </p:txBody>
+          </p:sp>
+        </mc:Choice>
+        <mc:Fallback>
+          <p:sp>
+            <p:nvSpPr>
+              <p:cNvPr id="31" name="TextBox 30"/>
+              <p:cNvSpPr txBox="1">
+                <a:spLocks noRot="1" noChangeAspect="1" noMove="1" noResize="1" noEditPoints="1" noAdjustHandles="1" noChangeArrowheads="1" noChangeShapeType="1" noTextEdit="1"/>
+              </p:cNvSpPr>
+              <p:nvPr/>
+            </p:nvSpPr>
+            <p:spPr>
+              <a:xfrm>
+                <a:off x="4974340" y="1088962"/>
+                <a:ext cx="661656" cy="369332"/>
+              </a:xfrm>
+              <a:prstGeom prst="rect">
+                <a:avLst/>
+              </a:prstGeom>
+              <a:blipFill rotWithShape="1">
+                <a:blip r:embed="rId2"/>
+                <a:stretch>
+                  <a:fillRect b="-16667"/>
+                </a:stretch>
+              </a:blipFill>
+            </p:spPr>
+            <p:txBody>
+              <a:bodyPr/>
+              <a:lstStyle/>
+              <a:p>
+                <a:r>
+                  <a:rPr lang="en-US">
+                    <a:noFill/>
+                  </a:rPr>
+                  <a:t> </a:t>
+                </a:r>
+              </a:p>
+            </p:txBody>
+          </p:sp>
+        </mc:Fallback>
+      </mc:AlternateContent>
+      <p:sp>
+        <p:nvSpPr>
+          <p:cNvPr id="33" name="TextBox 32"/>
+          <p:cNvSpPr txBox="1"/>
+          <p:nvPr/>
+        </p:nvSpPr>
+        <p:spPr>
+          <a:xfrm>
+            <a:off x="3700092" y="1590098"/>
+            <a:ext cx="1422569" cy="369332"/>
+          </a:xfrm>
+          <a:prstGeom prst="rect">
+            <a:avLst/>
+          </a:prstGeom>
+          <a:noFill/>
+          <a:ln>
+            <a:noFill/>
+          </a:ln>
+        </p:spPr>
+        <p:txBody>
+          <a:bodyPr wrap="none" rtlCol="0">
+            <a:spAutoFit/>
+          </a:bodyPr>
+          <a:lstStyle/>
+          <a:p>
+            <a:r>
+              <a:rPr lang="en-US" dirty="0" smtClean="0">
+                <a:solidFill>
+                  <a:srgbClr val="FF0000"/>
+                </a:solidFill>
+              </a:rPr>
+              <a:t>a priory state</a:t>
+            </a:r>
+            <a:endParaRPr lang="en-US" dirty="0">
+              <a:solidFill>
+                <a:srgbClr val="FF0000"/>
+              </a:solidFill>
+            </a:endParaRPr>
+          </a:p>
+        </p:txBody>
+      </p:sp>
+      <p:sp>
+        <p:nvSpPr>
+          <p:cNvPr id="34" name="TextBox 33"/>
+          <p:cNvSpPr txBox="1"/>
+          <p:nvPr/>
+        </p:nvSpPr>
+        <p:spPr>
+          <a:xfrm>
+            <a:off x="6012119" y="2283670"/>
+            <a:ext cx="1645835" cy="369332"/>
+          </a:xfrm>
+          <a:prstGeom prst="rect">
+            <a:avLst/>
+          </a:prstGeom>
+          <a:noFill/>
+        </p:spPr>
+        <p:txBody>
+          <a:bodyPr wrap="none" rtlCol="0">
+            <a:spAutoFit/>
+          </a:bodyPr>
+          <a:lstStyle/>
+          <a:p>
+            <a:r>
+              <a:rPr lang="en-US" dirty="0" smtClean="0">
+                <a:solidFill>
+                  <a:srgbClr val="1F1FFD"/>
+                </a:solidFill>
+              </a:rPr>
+              <a:t>Measured state</a:t>
+            </a:r>
+            <a:endParaRPr lang="en-US" dirty="0">
+              <a:solidFill>
+                <a:srgbClr val="1F1FFD"/>
+              </a:solidFill>
+            </a:endParaRPr>
+          </a:p>
+        </p:txBody>
+      </p:sp>
+      <mc:AlternateContent xmlns:mc="http://schemas.openxmlformats.org/markup-compatibility/2006">
+        <mc:Choice xmlns:a14="http://schemas.microsoft.com/office/drawing/2010/main" Requires="a14">
+          <p:sp>
+            <p:nvSpPr>
+              <p:cNvPr id="35" name="TextBox 34"/>
+              <p:cNvSpPr txBox="1"/>
+              <p:nvPr/>
+            </p:nvSpPr>
+            <p:spPr>
+              <a:xfrm>
+                <a:off x="5153872" y="5445969"/>
+                <a:ext cx="637931" cy="394210"/>
+              </a:xfrm>
+              <a:prstGeom prst="rect">
+                <a:avLst/>
+              </a:prstGeom>
+              <a:noFill/>
+            </p:spPr>
+            <p:txBody>
+              <a:bodyPr wrap="none" rtlCol="0">
+                <a:spAutoFit/>
+              </a:bodyPr>
+              <a:lstStyle/>
+              <a:p>
+                <a14:m>
+                  <m:oMathPara xmlns:m="http://schemas.openxmlformats.org/officeDocument/2006/math">
+                    <m:oMathParaPr>
+                      <m:jc m:val="centerGroup"/>
+                    </m:oMathParaPr>
+                    <m:oMath xmlns:m="http://schemas.openxmlformats.org/officeDocument/2006/math">
+                      <m:sSub>
+                        <m:sSubPr>
+                          <m:ctrlPr>
+                            <a:rPr lang="en-US" b="0" i="1" smtClean="0">
+                              <a:solidFill>
+                                <a:schemeClr val="accent2">
+                                  <a:lumMod val="75000"/>
+                                </a:schemeClr>
+                              </a:solidFill>
+                              <a:latin typeface="Cambria Math"/>
+                            </a:rPr>
+                          </m:ctrlPr>
+                        </m:sSubPr>
+                        <m:e>
+                          <m:acc>
+                            <m:accPr>
+                              <m:chr m:val="̃"/>
+                              <m:ctrlPr>
+                                <a:rPr lang="en-US" b="0" i="1" smtClean="0">
+                                  <a:solidFill>
+                                    <a:schemeClr val="accent2">
+                                      <a:lumMod val="75000"/>
+                                    </a:schemeClr>
+                                  </a:solidFill>
+                                  <a:latin typeface="Cambria Math"/>
+                                </a:rPr>
+                              </m:ctrlPr>
+                            </m:accPr>
+                            <m:e>
+                              <m:r>
+                                <a:rPr lang="en-US" b="0" i="1" smtClean="0">
+                                  <a:solidFill>
+                                    <a:schemeClr val="accent2">
+                                      <a:lumMod val="75000"/>
+                                    </a:schemeClr>
+                                  </a:solidFill>
+                                  <a:latin typeface="Cambria Math"/>
+                                </a:rPr>
+                                <m:t>𝑦</m:t>
+                              </m:r>
+                            </m:e>
+                          </m:acc>
+                        </m:e>
+                        <m:sub>
+                          <m:r>
+                            <a:rPr lang="en-US" b="0" i="1" smtClean="0">
+                              <a:solidFill>
+                                <a:schemeClr val="accent2">
+                                  <a:lumMod val="75000"/>
+                                </a:schemeClr>
+                              </a:solidFill>
+                              <a:latin typeface="Cambria Math"/>
+                            </a:rPr>
+                            <m:t>𝑘</m:t>
+                          </m:r>
+                          <m:r>
+                            <a:rPr lang="en-US" b="0" i="1" smtClean="0">
+                              <a:solidFill>
+                                <a:schemeClr val="accent2">
+                                  <a:lumMod val="75000"/>
+                                </a:schemeClr>
+                              </a:solidFill>
+                              <a:latin typeface="Cambria Math"/>
+                            </a:rPr>
+                            <m:t>|</m:t>
+                          </m:r>
+                          <m:r>
+                            <a:rPr lang="en-US" b="0" i="1" smtClean="0">
+                              <a:solidFill>
+                                <a:schemeClr val="accent2">
+                                  <a:lumMod val="75000"/>
+                                </a:schemeClr>
+                              </a:solidFill>
+                              <a:latin typeface="Cambria Math"/>
+                            </a:rPr>
+                            <m:t>𝑘</m:t>
+                          </m:r>
+                        </m:sub>
+                      </m:sSub>
+                    </m:oMath>
+                  </m:oMathPara>
+                </a14:m>
+                <a:endParaRPr lang="en-US" b="0" dirty="0" smtClean="0">
+                  <a:solidFill>
+                    <a:schemeClr val="accent2">
+                      <a:lumMod val="75000"/>
+                    </a:schemeClr>
+                  </a:solidFill>
+                </a:endParaRPr>
+              </a:p>
+            </p:txBody>
+          </p:sp>
+        </mc:Choice>
+        <mc:Fallback>
+          <p:sp>
+            <p:nvSpPr>
+              <p:cNvPr id="35" name="TextBox 34"/>
+              <p:cNvSpPr txBox="1">
+                <a:spLocks noRot="1" noChangeAspect="1" noMove="1" noResize="1" noEditPoints="1" noAdjustHandles="1" noChangeArrowheads="1" noChangeShapeType="1" noTextEdit="1"/>
+              </p:cNvSpPr>
+              <p:nvPr/>
+            </p:nvSpPr>
+            <p:spPr>
+              <a:xfrm>
+                <a:off x="5153872" y="5445969"/>
+                <a:ext cx="637931" cy="394210"/>
+              </a:xfrm>
+              <a:prstGeom prst="rect">
+                <a:avLst/>
+              </a:prstGeom>
+              <a:blipFill rotWithShape="1">
+                <a:blip r:embed="rId3"/>
+                <a:stretch>
+                  <a:fillRect b="-9231"/>
+                </a:stretch>
+              </a:blipFill>
+            </p:spPr>
+            <p:txBody>
+              <a:bodyPr/>
+              <a:lstStyle/>
+              <a:p>
+                <a:r>
+                  <a:rPr lang="en-US">
+                    <a:noFill/>
+                  </a:rPr>
+                  <a:t> </a:t>
+                </a:r>
+              </a:p>
+            </p:txBody>
+          </p:sp>
+        </mc:Fallback>
+      </mc:AlternateContent>
+      <p:sp>
+        <p:nvSpPr>
+          <p:cNvPr id="37" name="TextBox 36"/>
+          <p:cNvSpPr txBox="1"/>
+          <p:nvPr/>
+        </p:nvSpPr>
+        <p:spPr>
+          <a:xfrm>
+            <a:off x="7193219" y="5173044"/>
+            <a:ext cx="2034916" cy="369332"/>
+          </a:xfrm>
+          <a:prstGeom prst="rect">
+            <a:avLst/>
+          </a:prstGeom>
+          <a:noFill/>
+        </p:spPr>
+        <p:txBody>
+          <a:bodyPr wrap="none" rtlCol="0">
+            <a:spAutoFit/>
+          </a:bodyPr>
+          <a:lstStyle/>
+          <a:p>
+            <a:r>
+              <a:rPr lang="en-US" dirty="0" smtClean="0">
+                <a:solidFill>
+                  <a:srgbClr val="1F1FFD"/>
+                </a:solidFill>
+              </a:rPr>
+              <a:t>Measurement error</a:t>
+            </a:r>
+            <a:endParaRPr lang="en-US" dirty="0">
+              <a:solidFill>
+                <a:srgbClr val="1F1FFD"/>
+              </a:solidFill>
+            </a:endParaRPr>
+          </a:p>
+        </p:txBody>
+      </p:sp>
+      <p:sp>
+        <p:nvSpPr>
+          <p:cNvPr id="38" name="TextBox 37"/>
+          <p:cNvSpPr txBox="1"/>
+          <p:nvPr/>
+        </p:nvSpPr>
+        <p:spPr>
+          <a:xfrm>
+            <a:off x="2215810" y="4988969"/>
+            <a:ext cx="1556195" cy="646331"/>
+          </a:xfrm>
+          <a:prstGeom prst="rect">
+            <a:avLst/>
+          </a:prstGeom>
+          <a:noFill/>
+          <a:ln>
+            <a:noFill/>
+          </a:ln>
+        </p:spPr>
+        <p:txBody>
+          <a:bodyPr wrap="none" rtlCol="0">
+            <a:spAutoFit/>
+          </a:bodyPr>
+          <a:lstStyle/>
+          <a:p>
+            <a:r>
+              <a:rPr lang="en-US" dirty="0" smtClean="0">
+                <a:solidFill>
+                  <a:srgbClr val="FF0000"/>
+                </a:solidFill>
+              </a:rPr>
+              <a:t>Actuation and </a:t>
+            </a:r>
+          </a:p>
+          <a:p>
+            <a:r>
+              <a:rPr lang="en-US" dirty="0" smtClean="0">
+                <a:solidFill>
+                  <a:srgbClr val="FF0000"/>
+                </a:solidFill>
+              </a:rPr>
+              <a:t>process errors</a:t>
+            </a:r>
+            <a:endParaRPr lang="en-US" dirty="0">
+              <a:solidFill>
+                <a:srgbClr val="FF0000"/>
+              </a:solidFill>
+            </a:endParaRPr>
+          </a:p>
+        </p:txBody>
+      </p:sp>
+    </p:spTree>
+    <p:extLst>
+      <p:ext uri="{BB962C8B-B14F-4D97-AF65-F5344CB8AC3E}">
+        <p14:creationId xmlns:p14="http://schemas.microsoft.com/office/powerpoint/2010/main" val="2207474770"/>
+      </p:ext>
+    </p:extLst>
+  </p:cSld>
+  <p:clrMapOvr>
+    <a:masterClrMapping/>
+  </p:clrMapOvr>
 </p:sld>
 </file>
 
@@ -4155,7 +5840,7 @@
     </a:clrScheme>
     <a:fontScheme name="Office">
       <a:majorFont>
-        <a:latin typeface="Calibri Light" panose="020F0302020204030204"/>
+        <a:latin typeface="Calibri Light"/>
         <a:ea typeface=""/>
         <a:cs typeface=""/>
         <a:font script="Jpan" typeface="游ゴシック Light"/>
@@ -4190,7 +5875,7 @@
         <a:font script="Geor" typeface="Sylfaen"/>
       </a:majorFont>
       <a:minorFont>
-        <a:latin typeface="Calibri" panose="020F0502020204030204"/>
+        <a:latin typeface="Calibri"/>
         <a:ea typeface=""/>
         <a:cs typeface=""/>
         <a:font script="Jpan" typeface="游ゴシック"/>
@@ -4367,7 +6052,7 @@
   <a:extraClrSchemeLst/>
   <a:extLst>
     <a:ext uri="{05A4C25C-085E-4340-85A3-A5531E510DB2}">
-      <thm15:themeFamily xmlns:thm15="http://schemas.microsoft.com/office/thememl/2012/main" name="Office Theme" id="{62F939B6-93AF-4DB8-9C6B-D6C7DFDC589F}" vid="{4A3C46E8-61CC-4603-A589-7422A47A8E4A}"/>
+      <thm15:themeFamily xmlns:thm15="http://schemas.microsoft.com/office/thememl/2012/main" xmlns="" name="Office Theme" id="{62F939B6-93AF-4DB8-9C6B-D6C7DFDC589F}" vid="{4A3C46E8-61CC-4603-A589-7422A47A8E4A}"/>
     </a:ext>
   </a:extLst>
 </a:theme>
